--- a/backend/data/generated/IC_Deck_v1.pptx
+++ b/backend/data/generated/IC_Deck_v1.pptx
@@ -3132,61 +3132,61 @@
           <a:p>
             <a:pPr/>
             <a:r>
-              <a:t>To align and enrich the data from the JSON and PDF sources, let's follow the outlined tasks:</a:t>
+              <a:t>To align and enrich the data from the structured JSON and unstructured PDF content, let's proceed with the task step-by-step:</a:t>
             </a:r>
           </a:p>
           <a:p>
             <a:pPr/>
             <a:r>
-              <a:t>### 1. Align Assets</a:t>
+              <a:t>### Step 1: Align Assets</a:t>
             </a:r>
           </a:p>
           <a:p>
             <a:pPr/>
             <a:r>
-              <a:t>From the JSON data, we have the asset "DC1 Ingram Micro" located at "DC1, Drayton Way, Apex Park NN11 8NF, Daventry, United Kingdom." The PDF documents provided do not contain a direct match for this address or property name. Therefore, no direct alignment can be made between the JSON asset and the PDF content based on the provided data.</a:t>
+              <a:t>From the JSON data, we have the asset "DC1 Ingram Micro" located at "DC1, Drayton Way, Apex Park NN11 8NF, Daventry, United Kingdom". We need to find a corresponding description in the PDF content. However, the provided PDF content does not mention this specific asset or address. Therefore, no direct alignment can be made based on the provided PDF content.</a:t>
             </a:r>
           </a:p>
           <a:p>
             <a:pPr/>
             <a:r>
-              <a:t>### 2. Extract &amp; Enrich</a:t>
+              <a:t>### Step 2: Extract &amp; Enrich</a:t>
             </a:r>
           </a:p>
           <a:p>
             <a:pPr/>
             <a:r>
-              <a:t>Since there is no direct match between the JSON asset and the PDF content, we cannot extract specific details for "DC1 Ingram Micro" from the PDFs. However, I can provide a template for how you would extract and enrich the data if a match were found:</a:t>
+              <a:t>Since we couldn't find a direct match in the PDF content for "DC1 Ingram Micro", we cannot extract specific details like market highlights, investment rationale, risk factors, financials, or physical specs for this asset from the PDF. However, we can summarize the available data from the JSON:</a:t>
             </a:r>
           </a:p>
           <a:p>
             <a:pPr/>
             <a:r>
-              <a:t>#### Template for Extracting and Enriching Data:</a:t>
+              <a:t>#### JSON Data Summary for "DC1 Ingram Micro":</a:t>
             </a:r>
           </a:p>
           <a:p>
             <a:pPr/>
             <a:r>
-              <a:t>- **Market Highlights**:</a:t>
+              <a:t>- **Asset Name**: DC1 Ingram Micro</a:t>
             </a:r>
           </a:p>
           <a:p>
             <a:pPr/>
             <a:r>
-              <a:t>- Key selling points of the location, such as proximity to major highways, economic strengths of the region, etc.</a:t>
+              <a:t>- **Asset Type**: Logistics</a:t>
             </a:r>
           </a:p>
           <a:p>
             <a:pPr/>
             <a:r>
-              <a:t>- **Investment Rationale**:</a:t>
+              <a:t>- **Tenure**: Freehold</a:t>
             </a:r>
           </a:p>
           <a:p>
             <a:pPr/>
             <a:r>
-              <a:t>- Reasons why the investment is considered</a:t>
+              <a:t>- **Address**: DC1, Drayton</a:t>
             </a:r>
           </a:p>
         </p:txBody>

--- a/backend/data/generated/IC_Deck_v1.pptx
+++ b/backend/data/generated/IC_Deck_v1.pptx
@@ -3132,61 +3132,73 @@
           <a:p>
             <a:pPr/>
             <a:r>
-              <a:t>To align and enrich the data from the structured JSON and unstructured PDF content, let's proceed with the task step-by-step:</a:t>
+              <a:t>To align and enrich the data from the JSON and PDF documents, we need to match the assets based on their address or property name, extract relevant information from the PDF, and verify the details. Here's a structured summary of the aligned deal data:</a:t>
             </a:r>
           </a:p>
           <a:p>
             <a:pPr/>
             <a:r>
-              <a:t>### Step 1: Align Assets</a:t>
+              <a:t>### Asset: DC1 Ingram Micro</a:t>
             </a:r>
           </a:p>
           <a:p>
             <a:pPr/>
             <a:r>
-              <a:t>From the JSON data, we have the asset "DC1 Ingram Micro" located at "DC1, Drayton Way, Apex Park NN11 8NF, Daventry, United Kingdom". We need to find a corresponding description in the PDF content. However, the provided PDF content does not mention this specific asset or address. Therefore, no direct alignment can be made based on the provided PDF content.</a:t>
+              <a:t>#### 1. Alignment</a:t>
             </a:r>
           </a:p>
           <a:p>
             <a:pPr/>
             <a:r>
-              <a:t>### Step 2: Extract &amp; Enrich</a:t>
+              <a:t>- **Address**: DC1, Drayton Way, Apex Park NN11 8NF, Daventry, United Kingdom</a:t>
             </a:r>
           </a:p>
           <a:p>
             <a:pPr/>
             <a:r>
-              <a:t>Since we couldn't find a direct match in the PDF content for "DC1 Ingram Micro", we cannot extract specific details like market highlights, investment rationale, risk factors, financials, or physical specs for this asset from the PDF. However, we can summarize the available data from the JSON:</a:t>
+              <a:t>- **Property Name**: Apex Park, Daventry</a:t>
             </a:r>
           </a:p>
           <a:p>
             <a:pPr/>
             <a:r>
-              <a:t>#### JSON Data Summary for "DC1 Ingram Micro":</a:t>
+              <a:t>#### 2. Extracted &amp; Enriched Data</a:t>
             </a:r>
           </a:p>
           <a:p>
             <a:pPr/>
             <a:r>
-              <a:t>- **Asset Name**: DC1 Ingram Micro</a:t>
+              <a:t>- **Market Highlights**:</a:t>
             </a:r>
           </a:p>
           <a:p>
             <a:pPr/>
             <a:r>
-              <a:t>- **Asset Type**: Logistics</a:t>
+              <a:t>- The PDF documents provided do not specifically mention Apex Park, Daventry. Therefore, no market highlights are extracted from the PDF for this asset.</a:t>
             </a:r>
           </a:p>
           <a:p>
             <a:pPr/>
             <a:r>
-              <a:t>- **Tenure**: Freehold</a:t>
+              <a:t>- **Investment Rationale**:</a:t>
             </a:r>
           </a:p>
           <a:p>
             <a:pPr/>
             <a:r>
-              <a:t>- **Address**: DC1, Drayton</a:t>
+              <a:t>- The PDF documents do not provide specific investment rationale for Apex Park, Daventry. However, based on the JSON data, the presence of tenants like Ingram Micro and CNH Industrial suggests a stable tenant base, which could be considered a positive investment rationale.</a:t>
+            </a:r>
+          </a:p>
+          <a:p>
+            <a:pPr/>
+            <a:r>
+              <a:t>- **Risk Factors**:</a:t>
+            </a:r>
+          </a:p>
+          <a:p>
+            <a:pPr/>
+            <a:r>
+              <a:t>- No specific risk factors are mentio</a:t>
             </a:r>
           </a:p>
         </p:txBody>
